--- a/HospitalManager/doc/HospitalManager Presentazione.pptx
+++ b/HospitalManager/doc/HospitalManager Presentazione.pptx
@@ -16,10 +16,10 @@
     <p:sldId id="277" r:id="rId10"/>
     <p:sldId id="266" r:id="rId11"/>
     <p:sldId id="268" r:id="rId12"/>
-    <p:sldId id="269" r:id="rId13"/>
-    <p:sldId id="272" r:id="rId14"/>
-    <p:sldId id="270" r:id="rId15"/>
-    <p:sldId id="278" r:id="rId16"/>
+    <p:sldId id="270" r:id="rId13"/>
+    <p:sldId id="278" r:id="rId14"/>
+    <p:sldId id="272" r:id="rId15"/>
+    <p:sldId id="269" r:id="rId16"/>
     <p:sldId id="273" r:id="rId17"/>
     <p:sldId id="258" r:id="rId18"/>
     <p:sldId id="260" r:id="rId19"/>
@@ -3910,7 +3910,7 @@
           <p:cNvPr id="2" name="Titolo 1">
             <a:extLst>
               <a:ext uri="{FF2B5EF4-FFF2-40B4-BE49-F238E27FC236}">
-                <a16:creationId xmlns:a16="http://schemas.microsoft.com/office/drawing/2014/main" id="{B471DBDA-B433-3C08-BDFC-794C2EECE65B}"/>
+                <a16:creationId xmlns:a16="http://schemas.microsoft.com/office/drawing/2014/main" id="{E0F6557B-6B1D-3463-A1A2-2FBB960F132F}"/>
               </a:ext>
             </a:extLst>
           </p:cNvPr>
@@ -3921,7 +3921,12 @@
             <p:ph type="title"/>
           </p:nvPr>
         </p:nvSpPr>
-        <p:spPr/>
+        <p:spPr>
+          <a:xfrm>
+            <a:off x="838200" y="1272"/>
+            <a:ext cx="10515600" cy="1325563"/>
+          </a:xfrm>
+        </p:spPr>
         <p:txBody>
           <a:bodyPr/>
           <a:lstStyle/>
@@ -3929,108 +3934,17 @@
             <a:pPr algn="ctr"/>
             <a:r>
               <a:rPr lang="it-IT" dirty="0"/>
-              <a:t>JDBC</a:t>
-            </a:r>
-            <a:br>
-              <a:rPr lang="it-IT" dirty="0"/>
-            </a:br>
-            <a:endParaRPr lang="it-IT" dirty="0"/>
-          </a:p>
-        </p:txBody>
-      </p:sp>
-      <p:sp>
-        <p:nvSpPr>
-          <p:cNvPr id="13" name="CasellaDiTesto 12">
-            <a:extLst>
-              <a:ext uri="{FF2B5EF4-FFF2-40B4-BE49-F238E27FC236}">
-                <a16:creationId xmlns:a16="http://schemas.microsoft.com/office/drawing/2014/main" id="{8515DBBE-4F21-F933-3D25-D2E310B640A5}"/>
-              </a:ext>
-            </a:extLst>
-          </p:cNvPr>
-          <p:cNvSpPr txBox="1"/>
-          <p:nvPr/>
-        </p:nvSpPr>
-        <p:spPr>
-          <a:xfrm>
-            <a:off x="3788229" y="3579496"/>
-            <a:ext cx="7421336" cy="2308324"/>
-          </a:xfrm>
-          <a:prstGeom prst="rect">
-            <a:avLst/>
-          </a:prstGeom>
-          <a:noFill/>
-        </p:spPr>
-        <p:txBody>
-          <a:bodyPr wrap="square" rtlCol="0">
-            <a:spAutoFit/>
-          </a:bodyPr>
-          <a:lstStyle/>
-          <a:p>
-            <a:pPr marL="285750" indent="-285750">
-              <a:buFont typeface="Arial" panose="020B0604020202020204" pitchFamily="34" charset="0"/>
-              <a:buChar char="•"/>
-            </a:pPr>
-            <a:r>
-              <a:rPr lang="it-IT" dirty="0" err="1"/>
-              <a:t>Facade</a:t>
-            </a:r>
-            <a:r>
-              <a:rPr lang="it-IT" dirty="0"/>
-              <a:t>: disaccoppia il model da JDBC</a:t>
-            </a:r>
-          </a:p>
-          <a:p>
-            <a:endParaRPr lang="it-IT" dirty="0"/>
-          </a:p>
-          <a:p>
-            <a:pPr marL="285750" indent="-285750">
-              <a:buFont typeface="Arial" panose="020B0604020202020204" pitchFamily="34" charset="0"/>
-              <a:buChar char="•"/>
-            </a:pPr>
-            <a:r>
-              <a:rPr lang="it-IT" dirty="0"/>
-              <a:t>Singleton: serve una sola istanza di </a:t>
-            </a:r>
-            <a:r>
-              <a:rPr lang="it-IT" dirty="0" err="1"/>
-              <a:t>Facade</a:t>
-            </a:r>
-            <a:endParaRPr lang="it-IT" dirty="0"/>
-          </a:p>
-          <a:p>
-            <a:endParaRPr lang="it-IT" dirty="0"/>
-          </a:p>
-          <a:p>
-            <a:pPr marL="285750" indent="-285750">
-              <a:buFont typeface="Arial" panose="020B0604020202020204" pitchFamily="34" charset="0"/>
-              <a:buChar char="•"/>
-            </a:pPr>
-            <a:r>
-              <a:rPr lang="it-IT" dirty="0"/>
-              <a:t>DAO: gli oggetti DAO si occupano di gestire il caricamento e il salvataggio di oggetti del database MySQL (Persistenza)</a:t>
-            </a:r>
-          </a:p>
-          <a:p>
-            <a:endParaRPr lang="it-IT" dirty="0"/>
-          </a:p>
-          <a:p>
-            <a:pPr marL="285750" indent="-285750">
-              <a:buFont typeface="Arial" panose="020B0604020202020204" pitchFamily="34" charset="0"/>
-              <a:buChar char="•"/>
-            </a:pPr>
-            <a:r>
-              <a:rPr lang="it-IT" dirty="0"/>
-              <a:t>La connessione avviene tramite mysql-connector-java-8.0.19.jar</a:t>
+              <a:t>MySQL </a:t>
             </a:r>
           </a:p>
         </p:txBody>
       </p:sp>
       <p:pic>
         <p:nvPicPr>
-          <p:cNvPr id="17" name="Segnaposto contenuto 16" descr="Immagine che contiene testo, schermata, menu&#10;&#10;Descrizione generata automaticamente">
-            <a:extLst>
-              <a:ext uri="{FF2B5EF4-FFF2-40B4-BE49-F238E27FC236}">
-                <a16:creationId xmlns:a16="http://schemas.microsoft.com/office/drawing/2014/main" id="{1F5C5696-ADA6-409D-31E5-C88B87969A2C}"/>
+          <p:cNvPr id="11" name="Segnaposto contenuto 10" descr="Immagine che contiene testo, schermata, software, Pagina Web&#10;&#10;Descrizione generata automaticamente">
+            <a:extLst>
+              <a:ext uri="{FF2B5EF4-FFF2-40B4-BE49-F238E27FC236}">
+                <a16:creationId xmlns:a16="http://schemas.microsoft.com/office/drawing/2014/main" id="{AAAE425F-9060-11BA-DDD4-36709B4B1076}"/>
               </a:ext>
             </a:extLst>
           </p:cNvPr>
@@ -4049,75 +3963,209 @@
         </p:blipFill>
         <p:spPr>
           <a:xfrm>
-            <a:off x="601435" y="1077573"/>
-            <a:ext cx="2917371" cy="4805080"/>
-          </a:xfrm>
+            <a:off x="754811" y="1041085"/>
+            <a:ext cx="5341189" cy="5251371"/>
+          </a:xfrm>
+          <a:ln w="28575">
+            <a:solidFill>
+              <a:schemeClr val="tx1"/>
+            </a:solidFill>
+          </a:ln>
         </p:spPr>
       </p:pic>
-      <p:pic>
-        <p:nvPicPr>
-          <p:cNvPr id="19" name="Immagine 18" descr="Immagine che contiene testo, schermata, Carattere&#10;&#10;Descrizione generata automaticamente">
-            <a:extLst>
-              <a:ext uri="{FF2B5EF4-FFF2-40B4-BE49-F238E27FC236}">
-                <a16:creationId xmlns:a16="http://schemas.microsoft.com/office/drawing/2014/main" id="{6DA29C84-AB8D-F0FE-94BA-44C16FBFB086}"/>
-              </a:ext>
-            </a:extLst>
-          </p:cNvPr>
-          <p:cNvPicPr>
-            <a:picLocks noChangeAspect="1"/>
-          </p:cNvPicPr>
+      <p:sp>
+        <p:nvSpPr>
+          <p:cNvPr id="14" name="CasellaDiTesto 13">
+            <a:extLst>
+              <a:ext uri="{FF2B5EF4-FFF2-40B4-BE49-F238E27FC236}">
+                <a16:creationId xmlns:a16="http://schemas.microsoft.com/office/drawing/2014/main" id="{1914AFE2-0D6A-0AFE-3562-035F6684FCCD}"/>
+              </a:ext>
+            </a:extLst>
+          </p:cNvPr>
+          <p:cNvSpPr txBox="1"/>
           <p:nvPr/>
-        </p:nvPicPr>
-        <p:blipFill>
-          <a:blip r:embed="rId3"/>
-          <a:stretch>
-            <a:fillRect/>
-          </a:stretch>
-        </p:blipFill>
-        <p:spPr>
-          <a:xfrm>
-            <a:off x="8085695" y="1027906"/>
-            <a:ext cx="3025898" cy="2997618"/>
+        </p:nvSpPr>
+        <p:spPr>
+          <a:xfrm>
+            <a:off x="6284189" y="1127613"/>
+            <a:ext cx="5762445" cy="5078313"/>
           </a:xfrm>
           <a:prstGeom prst="rect">
             <a:avLst/>
           </a:prstGeom>
-        </p:spPr>
-      </p:pic>
-      <p:pic>
-        <p:nvPicPr>
-          <p:cNvPr id="21" name="Immagine 20" descr="Immagine che contiene testo, schermata, Carattere&#10;&#10;Descrizione generata automaticamente">
-            <a:extLst>
-              <a:ext uri="{FF2B5EF4-FFF2-40B4-BE49-F238E27FC236}">
-                <a16:creationId xmlns:a16="http://schemas.microsoft.com/office/drawing/2014/main" id="{1E87502F-F13C-490A-08F8-017C2B559412}"/>
-              </a:ext>
-            </a:extLst>
-          </p:cNvPr>
-          <p:cNvPicPr>
-            <a:picLocks noChangeAspect="1"/>
-          </p:cNvPicPr>
-          <p:nvPr/>
-        </p:nvPicPr>
-        <p:blipFill>
-          <a:blip r:embed="rId4"/>
-          <a:stretch>
-            <a:fillRect/>
-          </a:stretch>
-        </p:blipFill>
-        <p:spPr>
-          <a:xfrm>
-            <a:off x="4168194" y="1077573"/>
-            <a:ext cx="3268112" cy="2452109"/>
-          </a:xfrm>
-          <a:prstGeom prst="rect">
-            <a:avLst/>
-          </a:prstGeom>
-        </p:spPr>
-      </p:pic>
+          <a:noFill/>
+        </p:spPr>
+        <p:txBody>
+          <a:bodyPr wrap="square" rtlCol="0">
+            <a:spAutoFit/>
+          </a:bodyPr>
+          <a:lstStyle/>
+          <a:p>
+            <a:r>
+              <a:rPr lang="it-IT" b="1" dirty="0"/>
+              <a:t>SCHEMA LOGICO:</a:t>
+            </a:r>
+          </a:p>
+          <a:p>
+            <a:r>
+              <a:rPr lang="it-IT" dirty="0"/>
+              <a:t>Profili (</a:t>
+            </a:r>
+            <a:r>
+              <a:rPr lang="it-IT" b="1" dirty="0"/>
+              <a:t>CF</a:t>
+            </a:r>
+            <a:r>
+              <a:rPr lang="it-IT" dirty="0"/>
+              <a:t>, </a:t>
+            </a:r>
+            <a:r>
+              <a:rPr lang="it-IT" b="1" dirty="0"/>
+              <a:t>TIPO</a:t>
+            </a:r>
+            <a:r>
+              <a:rPr lang="it-IT" dirty="0"/>
+              <a:t>, PW, SPECIALIZZAZIONE, NOME, COGNOME,</a:t>
+            </a:r>
+          </a:p>
+          <a:p>
+            <a:r>
+              <a:rPr lang="it-IT" dirty="0"/>
+              <a:t>             SESSO, DATA_NASCITA, LUOGO_NASCITA,</a:t>
+            </a:r>
+          </a:p>
+          <a:p>
+            <a:r>
+              <a:rPr lang="it-IT" dirty="0"/>
+              <a:t>             PROVINCIA_NASCITA, REGIONE, PROVINCIA</a:t>
+            </a:r>
+          </a:p>
+          <a:p>
+            <a:r>
+              <a:rPr lang="it-IT" dirty="0"/>
+              <a:t>             CITTA, INDIRIZZO, EMAIL, CELLULARE) </a:t>
+            </a:r>
+          </a:p>
+          <a:p>
+            <a:endParaRPr lang="it-IT" dirty="0"/>
+          </a:p>
+          <a:p>
+            <a:r>
+              <a:rPr lang="it-IT" dirty="0" err="1"/>
+              <a:t>PrestazioniSanitarie</a:t>
+            </a:r>
+            <a:r>
+              <a:rPr lang="it-IT" dirty="0"/>
+              <a:t>(</a:t>
+            </a:r>
+            <a:r>
+              <a:rPr lang="it-IT" b="1" dirty="0"/>
+              <a:t>TIPO_PRESTAZIONE</a:t>
+            </a:r>
+            <a:r>
+              <a:rPr lang="it-IT" dirty="0"/>
+              <a:t>, DURATA)</a:t>
+            </a:r>
+          </a:p>
+          <a:p>
+            <a:endParaRPr lang="it-IT" dirty="0"/>
+          </a:p>
+          <a:p>
+            <a:r>
+              <a:rPr lang="it-IT" dirty="0"/>
+              <a:t>Prenotazioni(</a:t>
+            </a:r>
+            <a:r>
+              <a:rPr lang="it-IT" b="1" dirty="0"/>
+              <a:t>ID_PREN</a:t>
+            </a:r>
+            <a:r>
+              <a:rPr lang="it-IT" dirty="0"/>
+              <a:t>, PAZIENTE, PERSONALE_SANITARIO,</a:t>
+            </a:r>
+          </a:p>
+          <a:p>
+            <a:r>
+              <a:rPr lang="it-IT" dirty="0"/>
+              <a:t>                        TIPO_PRESTAZIONE, DATA_PREN, ORA_PREN)</a:t>
+            </a:r>
+          </a:p>
+          <a:p>
+            <a:endParaRPr lang="it-IT" dirty="0"/>
+          </a:p>
+          <a:p>
+            <a:r>
+              <a:rPr lang="it-IT" dirty="0" err="1"/>
+              <a:t>CartelleCliniche</a:t>
+            </a:r>
+            <a:r>
+              <a:rPr lang="it-IT" dirty="0"/>
+              <a:t>(</a:t>
+            </a:r>
+            <a:r>
+              <a:rPr lang="it-IT" b="1" dirty="0"/>
+              <a:t>CF</a:t>
+            </a:r>
+            <a:r>
+              <a:rPr lang="it-IT" dirty="0"/>
+              <a:t>, ALTEZZA, PESO, GRUPPO_SANGUIGNO)</a:t>
+            </a:r>
+          </a:p>
+          <a:p>
+            <a:endParaRPr lang="it-IT" dirty="0"/>
+          </a:p>
+          <a:p>
+            <a:r>
+              <a:rPr lang="it-IT" dirty="0"/>
+              <a:t>Calendari(</a:t>
+            </a:r>
+            <a:r>
+              <a:rPr lang="it-IT" b="1" dirty="0"/>
+              <a:t>CALENDARIO_DATA</a:t>
+            </a:r>
+            <a:r>
+              <a:rPr lang="it-IT" dirty="0"/>
+              <a:t>, </a:t>
+            </a:r>
+            <a:r>
+              <a:rPr lang="it-IT" b="1" dirty="0"/>
+              <a:t>ORARIO</a:t>
+            </a:r>
+            <a:r>
+              <a:rPr lang="it-IT" dirty="0"/>
+              <a:t>,</a:t>
+            </a:r>
+          </a:p>
+          <a:p>
+            <a:r>
+              <a:rPr lang="it-IT" dirty="0"/>
+              <a:t>	GIORNO_SETTIMANA,  NOME_VACANZE, </a:t>
+            </a:r>
+          </a:p>
+          <a:p>
+            <a:r>
+              <a:rPr lang="it-IT" dirty="0"/>
+              <a:t>                  VISITA_ONCOLOGICA, VISITA_PSICOLOGICA,</a:t>
+            </a:r>
+          </a:p>
+          <a:p>
+            <a:r>
+              <a:rPr lang="it-IT" dirty="0"/>
+              <a:t>                  ESAME_SANGUE, TAC, RISONANZA_MAGNETICA,</a:t>
+            </a:r>
+          </a:p>
+          <a:p>
+            <a:r>
+              <a:rPr lang="it-IT" dirty="0"/>
+              <a:t>                  CHEMIOTERAPIA, RADIOTERAPIA)</a:t>
+            </a:r>
+          </a:p>
+        </p:txBody>
+      </p:sp>
     </p:spTree>
     <p:extLst>
       <p:ext uri="{BB962C8B-B14F-4D97-AF65-F5344CB8AC3E}">
-        <p14:creationId xmlns:p14="http://schemas.microsoft.com/office/powerpoint/2010/main" val="12849928"/>
+        <p14:creationId xmlns:p14="http://schemas.microsoft.com/office/powerpoint/2010/main" val="2186501849"/>
       </p:ext>
     </p:extLst>
   </p:cSld>
@@ -4149,7 +4197,7 @@
           <p:cNvPr id="2" name="Titolo 1">
             <a:extLst>
               <a:ext uri="{FF2B5EF4-FFF2-40B4-BE49-F238E27FC236}">
-                <a16:creationId xmlns:a16="http://schemas.microsoft.com/office/drawing/2014/main" id="{35D49664-B240-FA76-CC8A-3F8D4B0EE3FD}"/>
+                <a16:creationId xmlns:a16="http://schemas.microsoft.com/office/drawing/2014/main" id="{3D96C835-5226-DC5C-029A-307418DB6B3F}"/>
               </a:ext>
             </a:extLst>
           </p:cNvPr>
@@ -4168,17 +4216,17 @@
             <a:pPr algn="ctr"/>
             <a:r>
               <a:rPr lang="it-IT" dirty="0"/>
-              <a:t>Diagramma ERA</a:t>
+              <a:t>Calendario</a:t>
             </a:r>
           </a:p>
         </p:txBody>
       </p:sp>
       <p:pic>
         <p:nvPicPr>
-          <p:cNvPr id="4" name="Segnaposto contenuto 4" descr="Immagine che contiene diagramma, Piano, Disegno tecnico, linea&#10;&#10;Descrizione generata automaticamente">
-            <a:extLst>
-              <a:ext uri="{FF2B5EF4-FFF2-40B4-BE49-F238E27FC236}">
-                <a16:creationId xmlns:a16="http://schemas.microsoft.com/office/drawing/2014/main" id="{2C677F9D-C5BC-539F-997F-8ECB3C32F4A2}"/>
+          <p:cNvPr id="5" name="Segnaposto contenuto 4" descr="Immagine che contiene testo, schermata, Carattere&#10;&#10;Descrizione generata automaticamente">
+            <a:extLst>
+              <a:ext uri="{FF2B5EF4-FFF2-40B4-BE49-F238E27FC236}">
+                <a16:creationId xmlns:a16="http://schemas.microsoft.com/office/drawing/2014/main" id="{86DEEACF-EDED-B661-A4BA-865EB6CF50DE}"/>
               </a:ext>
             </a:extLst>
           </p:cNvPr>
@@ -4189,23 +4237,62 @@
             <p:ph idx="1"/>
           </p:nvPr>
         </p:nvPicPr>
+        <p:blipFill rotWithShape="1">
+          <a:blip r:embed="rId2"/>
+          <a:srcRect r="41946" b="120"/>
+          <a:stretch/>
+        </p:blipFill>
+        <p:spPr>
+          <a:xfrm>
+            <a:off x="373024" y="1610271"/>
+            <a:ext cx="5195672" cy="4453533"/>
+          </a:xfrm>
+          <a:ln w="19050">
+            <a:solidFill>
+              <a:schemeClr val="tx1"/>
+            </a:solidFill>
+          </a:ln>
+        </p:spPr>
+      </p:pic>
+      <p:pic>
+        <p:nvPicPr>
+          <p:cNvPr id="9" name="Immagine 8" descr="Immagine che contiene testo, schermata, numero, menu&#10;&#10;Descrizione generata automaticamente">
+            <a:extLst>
+              <a:ext uri="{FF2B5EF4-FFF2-40B4-BE49-F238E27FC236}">
+                <a16:creationId xmlns:a16="http://schemas.microsoft.com/office/drawing/2014/main" id="{79258A4A-BAA5-A885-B669-4D73580D8BA6}"/>
+              </a:ext>
+            </a:extLst>
+          </p:cNvPr>
+          <p:cNvPicPr>
+            <a:picLocks noChangeAspect="1"/>
+          </p:cNvPicPr>
+          <p:nvPr/>
+        </p:nvPicPr>
         <p:blipFill>
-          <a:blip r:embed="rId2"/>
+          <a:blip r:embed="rId3"/>
           <a:stretch>
             <a:fillRect/>
           </a:stretch>
         </p:blipFill>
         <p:spPr>
           <a:xfrm>
-            <a:off x="1628332" y="1423359"/>
-            <a:ext cx="8935335" cy="4838501"/>
-          </a:xfrm>
+            <a:off x="5709962" y="2314641"/>
+            <a:ext cx="6109014" cy="2914800"/>
+          </a:xfrm>
+          <a:prstGeom prst="rect">
+            <a:avLst/>
+          </a:prstGeom>
+          <a:ln w="19050">
+            <a:solidFill>
+              <a:schemeClr val="tx1"/>
+            </a:solidFill>
+          </a:ln>
         </p:spPr>
       </p:pic>
     </p:spTree>
     <p:extLst>
       <p:ext uri="{BB962C8B-B14F-4D97-AF65-F5344CB8AC3E}">
-        <p14:creationId xmlns:p14="http://schemas.microsoft.com/office/powerpoint/2010/main" val="167255180"/>
+        <p14:creationId xmlns:p14="http://schemas.microsoft.com/office/powerpoint/2010/main" val="2617181989"/>
       </p:ext>
     </p:extLst>
   </p:cSld>
@@ -4237,7 +4324,7 @@
           <p:cNvPr id="2" name="Titolo 1">
             <a:extLst>
               <a:ext uri="{FF2B5EF4-FFF2-40B4-BE49-F238E27FC236}">
-                <a16:creationId xmlns:a16="http://schemas.microsoft.com/office/drawing/2014/main" id="{E0F6557B-6B1D-3463-A1A2-2FBB960F132F}"/>
+                <a16:creationId xmlns:a16="http://schemas.microsoft.com/office/drawing/2014/main" id="{35D49664-B240-FA76-CC8A-3F8D4B0EE3FD}"/>
               </a:ext>
             </a:extLst>
           </p:cNvPr>
@@ -4248,12 +4335,7 @@
             <p:ph type="title"/>
           </p:nvPr>
         </p:nvSpPr>
-        <p:spPr>
-          <a:xfrm>
-            <a:off x="838200" y="1272"/>
-            <a:ext cx="10515600" cy="1325563"/>
-          </a:xfrm>
-        </p:spPr>
+        <p:spPr/>
         <p:txBody>
           <a:bodyPr/>
           <a:lstStyle/>
@@ -4261,17 +4343,17 @@
             <a:pPr algn="ctr"/>
             <a:r>
               <a:rPr lang="it-IT" dirty="0"/>
-              <a:t>MySQL </a:t>
+              <a:t>Diagramma ERA</a:t>
             </a:r>
           </a:p>
         </p:txBody>
       </p:sp>
       <p:pic>
         <p:nvPicPr>
-          <p:cNvPr id="11" name="Segnaposto contenuto 10" descr="Immagine che contiene testo, schermata, software, Pagina Web&#10;&#10;Descrizione generata automaticamente">
-            <a:extLst>
-              <a:ext uri="{FF2B5EF4-FFF2-40B4-BE49-F238E27FC236}">
-                <a16:creationId xmlns:a16="http://schemas.microsoft.com/office/drawing/2014/main" id="{AAAE425F-9060-11BA-DDD4-36709B4B1076}"/>
+          <p:cNvPr id="4" name="Segnaposto contenuto 4" descr="Immagine che contiene diagramma, Piano, Disegno tecnico, linea&#10;&#10;Descrizione generata automaticamente">
+            <a:extLst>
+              <a:ext uri="{FF2B5EF4-FFF2-40B4-BE49-F238E27FC236}">
+                <a16:creationId xmlns:a16="http://schemas.microsoft.com/office/drawing/2014/main" id="{2C677F9D-C5BC-539F-997F-8ECB3C32F4A2}"/>
               </a:ext>
             </a:extLst>
           </p:cNvPr>
@@ -4290,209 +4372,15 @@
         </p:blipFill>
         <p:spPr>
           <a:xfrm>
-            <a:off x="754811" y="1041085"/>
-            <a:ext cx="5341189" cy="5251371"/>
-          </a:xfrm>
-          <a:ln w="28575">
-            <a:solidFill>
-              <a:schemeClr val="tx1"/>
-            </a:solidFill>
-          </a:ln>
+            <a:off x="1628332" y="1423359"/>
+            <a:ext cx="8935335" cy="4838501"/>
+          </a:xfrm>
         </p:spPr>
       </p:pic>
-      <p:sp>
-        <p:nvSpPr>
-          <p:cNvPr id="14" name="CasellaDiTesto 13">
-            <a:extLst>
-              <a:ext uri="{FF2B5EF4-FFF2-40B4-BE49-F238E27FC236}">
-                <a16:creationId xmlns:a16="http://schemas.microsoft.com/office/drawing/2014/main" id="{1914AFE2-0D6A-0AFE-3562-035F6684FCCD}"/>
-              </a:ext>
-            </a:extLst>
-          </p:cNvPr>
-          <p:cNvSpPr txBox="1"/>
-          <p:nvPr/>
-        </p:nvSpPr>
-        <p:spPr>
-          <a:xfrm>
-            <a:off x="6284189" y="1127613"/>
-            <a:ext cx="5762445" cy="5078313"/>
-          </a:xfrm>
-          <a:prstGeom prst="rect">
-            <a:avLst/>
-          </a:prstGeom>
-          <a:noFill/>
-        </p:spPr>
-        <p:txBody>
-          <a:bodyPr wrap="square" rtlCol="0">
-            <a:spAutoFit/>
-          </a:bodyPr>
-          <a:lstStyle/>
-          <a:p>
-            <a:r>
-              <a:rPr lang="it-IT" b="1" dirty="0"/>
-              <a:t>SCHEMA LOGICO:</a:t>
-            </a:r>
-          </a:p>
-          <a:p>
-            <a:r>
-              <a:rPr lang="it-IT" dirty="0"/>
-              <a:t>Profili (</a:t>
-            </a:r>
-            <a:r>
-              <a:rPr lang="it-IT" b="1" dirty="0"/>
-              <a:t>CF</a:t>
-            </a:r>
-            <a:r>
-              <a:rPr lang="it-IT" dirty="0"/>
-              <a:t>, </a:t>
-            </a:r>
-            <a:r>
-              <a:rPr lang="it-IT" b="1" dirty="0"/>
-              <a:t>TIPO</a:t>
-            </a:r>
-            <a:r>
-              <a:rPr lang="it-IT" dirty="0"/>
-              <a:t>, PW, SPECIALIZZAZIONE, NOME, COGNOME,</a:t>
-            </a:r>
-          </a:p>
-          <a:p>
-            <a:r>
-              <a:rPr lang="it-IT" dirty="0"/>
-              <a:t>             SESSO, DATA_NASCITA, LUOGO_NASCITA,</a:t>
-            </a:r>
-          </a:p>
-          <a:p>
-            <a:r>
-              <a:rPr lang="it-IT" dirty="0"/>
-              <a:t>             PROVINCIA_NASCITA, REGIONE, PROVINCIA</a:t>
-            </a:r>
-          </a:p>
-          <a:p>
-            <a:r>
-              <a:rPr lang="it-IT" dirty="0"/>
-              <a:t>             CITTA, INDIRIZZO, EMAIL, CELLULARE) </a:t>
-            </a:r>
-          </a:p>
-          <a:p>
-            <a:endParaRPr lang="it-IT" dirty="0"/>
-          </a:p>
-          <a:p>
-            <a:r>
-              <a:rPr lang="it-IT" dirty="0" err="1"/>
-              <a:t>PrestazioniSanitarie</a:t>
-            </a:r>
-            <a:r>
-              <a:rPr lang="it-IT" dirty="0"/>
-              <a:t>(</a:t>
-            </a:r>
-            <a:r>
-              <a:rPr lang="it-IT" b="1" dirty="0"/>
-              <a:t>TIPO_PRESTAZIONE</a:t>
-            </a:r>
-            <a:r>
-              <a:rPr lang="it-IT" dirty="0"/>
-              <a:t>, DURATA)</a:t>
-            </a:r>
-          </a:p>
-          <a:p>
-            <a:endParaRPr lang="it-IT" dirty="0"/>
-          </a:p>
-          <a:p>
-            <a:r>
-              <a:rPr lang="it-IT" dirty="0"/>
-              <a:t>Prenotazioni(</a:t>
-            </a:r>
-            <a:r>
-              <a:rPr lang="it-IT" b="1" dirty="0"/>
-              <a:t>ID_PREN</a:t>
-            </a:r>
-            <a:r>
-              <a:rPr lang="it-IT" dirty="0"/>
-              <a:t>, PAZIENTE, PERSONALE_SANITARIO,</a:t>
-            </a:r>
-          </a:p>
-          <a:p>
-            <a:r>
-              <a:rPr lang="it-IT" dirty="0"/>
-              <a:t>                        TIPO_PRESTAZIONE, DATA_PREN, ORA_PREN)</a:t>
-            </a:r>
-          </a:p>
-          <a:p>
-            <a:endParaRPr lang="it-IT" dirty="0"/>
-          </a:p>
-          <a:p>
-            <a:r>
-              <a:rPr lang="it-IT" dirty="0" err="1"/>
-              <a:t>CartelleCliniche</a:t>
-            </a:r>
-            <a:r>
-              <a:rPr lang="it-IT" dirty="0"/>
-              <a:t>(</a:t>
-            </a:r>
-            <a:r>
-              <a:rPr lang="it-IT" b="1" dirty="0"/>
-              <a:t>CF</a:t>
-            </a:r>
-            <a:r>
-              <a:rPr lang="it-IT" dirty="0"/>
-              <a:t>, ALTEZZA, PESO, GRUPPO_SANGUIGNO)</a:t>
-            </a:r>
-          </a:p>
-          <a:p>
-            <a:endParaRPr lang="it-IT" dirty="0"/>
-          </a:p>
-          <a:p>
-            <a:r>
-              <a:rPr lang="it-IT" dirty="0"/>
-              <a:t>Calendari(</a:t>
-            </a:r>
-            <a:r>
-              <a:rPr lang="it-IT" b="1" dirty="0"/>
-              <a:t>CALENDARIO_DATA</a:t>
-            </a:r>
-            <a:r>
-              <a:rPr lang="it-IT" dirty="0"/>
-              <a:t>, </a:t>
-            </a:r>
-            <a:r>
-              <a:rPr lang="it-IT" b="1" dirty="0"/>
-              <a:t>ORARIO</a:t>
-            </a:r>
-            <a:r>
-              <a:rPr lang="it-IT" dirty="0"/>
-              <a:t>,</a:t>
-            </a:r>
-          </a:p>
-          <a:p>
-            <a:r>
-              <a:rPr lang="it-IT" dirty="0"/>
-              <a:t>	GIORNO_SETTIMANA,  NOME_VACANZE, </a:t>
-            </a:r>
-          </a:p>
-          <a:p>
-            <a:r>
-              <a:rPr lang="it-IT" dirty="0"/>
-              <a:t>                  VISITA_ONCOLOGICA, VISITA_PSICOLOGICA,</a:t>
-            </a:r>
-          </a:p>
-          <a:p>
-            <a:r>
-              <a:rPr lang="it-IT" dirty="0"/>
-              <a:t>                  ESAME_SANGUE, TAC, RISONANZA_MAGNETICA,</a:t>
-            </a:r>
-          </a:p>
-          <a:p>
-            <a:r>
-              <a:rPr lang="it-IT" dirty="0"/>
-              <a:t>                  CHEMIOTERAPIA, RADIOTERAPIA)</a:t>
-            </a:r>
-          </a:p>
-        </p:txBody>
-      </p:sp>
     </p:spTree>
     <p:extLst>
       <p:ext uri="{BB962C8B-B14F-4D97-AF65-F5344CB8AC3E}">
-        <p14:creationId xmlns:p14="http://schemas.microsoft.com/office/powerpoint/2010/main" val="2186501849"/>
+        <p14:creationId xmlns:p14="http://schemas.microsoft.com/office/powerpoint/2010/main" val="167255180"/>
       </p:ext>
     </p:extLst>
   </p:cSld>
@@ -4524,7 +4412,7 @@
           <p:cNvPr id="2" name="Titolo 1">
             <a:extLst>
               <a:ext uri="{FF2B5EF4-FFF2-40B4-BE49-F238E27FC236}">
-                <a16:creationId xmlns:a16="http://schemas.microsoft.com/office/drawing/2014/main" id="{3D96C835-5226-DC5C-029A-307418DB6B3F}"/>
+                <a16:creationId xmlns:a16="http://schemas.microsoft.com/office/drawing/2014/main" id="{B471DBDA-B433-3C08-BDFC-794C2EECE65B}"/>
               </a:ext>
             </a:extLst>
           </p:cNvPr>
@@ -4543,17 +4431,108 @@
             <a:pPr algn="ctr"/>
             <a:r>
               <a:rPr lang="it-IT" dirty="0"/>
-              <a:t>Calendario</a:t>
+              <a:t>JDBC</a:t>
+            </a:r>
+            <a:br>
+              <a:rPr lang="it-IT" dirty="0"/>
+            </a:br>
+            <a:endParaRPr lang="it-IT" dirty="0"/>
+          </a:p>
+        </p:txBody>
+      </p:sp>
+      <p:sp>
+        <p:nvSpPr>
+          <p:cNvPr id="13" name="CasellaDiTesto 12">
+            <a:extLst>
+              <a:ext uri="{FF2B5EF4-FFF2-40B4-BE49-F238E27FC236}">
+                <a16:creationId xmlns:a16="http://schemas.microsoft.com/office/drawing/2014/main" id="{8515DBBE-4F21-F933-3D25-D2E310B640A5}"/>
+              </a:ext>
+            </a:extLst>
+          </p:cNvPr>
+          <p:cNvSpPr txBox="1"/>
+          <p:nvPr/>
+        </p:nvSpPr>
+        <p:spPr>
+          <a:xfrm>
+            <a:off x="3788229" y="3579496"/>
+            <a:ext cx="7421336" cy="2308324"/>
+          </a:xfrm>
+          <a:prstGeom prst="rect">
+            <a:avLst/>
+          </a:prstGeom>
+          <a:noFill/>
+        </p:spPr>
+        <p:txBody>
+          <a:bodyPr wrap="square" rtlCol="0">
+            <a:spAutoFit/>
+          </a:bodyPr>
+          <a:lstStyle/>
+          <a:p>
+            <a:pPr marL="285750" indent="-285750">
+              <a:buFont typeface="Arial" panose="020B0604020202020204" pitchFamily="34" charset="0"/>
+              <a:buChar char="•"/>
+            </a:pPr>
+            <a:r>
+              <a:rPr lang="it-IT" dirty="0" err="1"/>
+              <a:t>Facade</a:t>
+            </a:r>
+            <a:r>
+              <a:rPr lang="it-IT" dirty="0"/>
+              <a:t>: disaccoppia il model da JDBC</a:t>
+            </a:r>
+          </a:p>
+          <a:p>
+            <a:endParaRPr lang="it-IT" dirty="0"/>
+          </a:p>
+          <a:p>
+            <a:pPr marL="285750" indent="-285750">
+              <a:buFont typeface="Arial" panose="020B0604020202020204" pitchFamily="34" charset="0"/>
+              <a:buChar char="•"/>
+            </a:pPr>
+            <a:r>
+              <a:rPr lang="it-IT" dirty="0"/>
+              <a:t>Singleton: serve una sola istanza di </a:t>
+            </a:r>
+            <a:r>
+              <a:rPr lang="it-IT" dirty="0" err="1"/>
+              <a:t>Facade</a:t>
+            </a:r>
+            <a:endParaRPr lang="it-IT" dirty="0"/>
+          </a:p>
+          <a:p>
+            <a:endParaRPr lang="it-IT" dirty="0"/>
+          </a:p>
+          <a:p>
+            <a:pPr marL="285750" indent="-285750">
+              <a:buFont typeface="Arial" panose="020B0604020202020204" pitchFamily="34" charset="0"/>
+              <a:buChar char="•"/>
+            </a:pPr>
+            <a:r>
+              <a:rPr lang="it-IT" dirty="0"/>
+              <a:t>DAO: gli oggetti DAO si occupano di gestire il caricamento e il salvataggio di oggetti del database MySQL (Persistenza)</a:t>
+            </a:r>
+          </a:p>
+          <a:p>
+            <a:endParaRPr lang="it-IT" dirty="0"/>
+          </a:p>
+          <a:p>
+            <a:pPr marL="285750" indent="-285750">
+              <a:buFont typeface="Arial" panose="020B0604020202020204" pitchFamily="34" charset="0"/>
+              <a:buChar char="•"/>
+            </a:pPr>
+            <a:r>
+              <a:rPr lang="it-IT" dirty="0"/>
+              <a:t>La connessione avviene tramite mysql-connector-java-8.0.19.jar</a:t>
             </a:r>
           </a:p>
         </p:txBody>
       </p:sp>
       <p:pic>
         <p:nvPicPr>
-          <p:cNvPr id="5" name="Segnaposto contenuto 4" descr="Immagine che contiene testo, schermata, Carattere&#10;&#10;Descrizione generata automaticamente">
-            <a:extLst>
-              <a:ext uri="{FF2B5EF4-FFF2-40B4-BE49-F238E27FC236}">
-                <a16:creationId xmlns:a16="http://schemas.microsoft.com/office/drawing/2014/main" id="{86DEEACF-EDED-B661-A4BA-865EB6CF50DE}"/>
+          <p:cNvPr id="17" name="Segnaposto contenuto 16" descr="Immagine che contiene testo, schermata, menu&#10;&#10;Descrizione generata automaticamente">
+            <a:extLst>
+              <a:ext uri="{FF2B5EF4-FFF2-40B4-BE49-F238E27FC236}">
+                <a16:creationId xmlns:a16="http://schemas.microsoft.com/office/drawing/2014/main" id="{1F5C5696-ADA6-409D-31E5-C88B87969A2C}"/>
               </a:ext>
             </a:extLst>
           </p:cNvPr>
@@ -4564,29 +4543,25 @@
             <p:ph idx="1"/>
           </p:nvPr>
         </p:nvPicPr>
-        <p:blipFill rotWithShape="1">
+        <p:blipFill>
           <a:blip r:embed="rId2"/>
-          <a:srcRect r="41946" b="120"/>
-          <a:stretch/>
+          <a:stretch>
+            <a:fillRect/>
+          </a:stretch>
         </p:blipFill>
         <p:spPr>
           <a:xfrm>
-            <a:off x="373024" y="1610271"/>
-            <a:ext cx="5195672" cy="4453533"/>
-          </a:xfrm>
-          <a:ln w="19050">
-            <a:solidFill>
-              <a:schemeClr val="tx1"/>
-            </a:solidFill>
-          </a:ln>
+            <a:off x="601435" y="1077573"/>
+            <a:ext cx="2917371" cy="4805080"/>
+          </a:xfrm>
         </p:spPr>
       </p:pic>
       <p:pic>
         <p:nvPicPr>
-          <p:cNvPr id="9" name="Immagine 8" descr="Immagine che contiene testo, schermata, numero, menu&#10;&#10;Descrizione generata automaticamente">
-            <a:extLst>
-              <a:ext uri="{FF2B5EF4-FFF2-40B4-BE49-F238E27FC236}">
-                <a16:creationId xmlns:a16="http://schemas.microsoft.com/office/drawing/2014/main" id="{79258A4A-BAA5-A885-B669-4D73580D8BA6}"/>
+          <p:cNvPr id="19" name="Immagine 18" descr="Immagine che contiene testo, schermata, Carattere&#10;&#10;Descrizione generata automaticamente">
+            <a:extLst>
+              <a:ext uri="{FF2B5EF4-FFF2-40B4-BE49-F238E27FC236}">
+                <a16:creationId xmlns:a16="http://schemas.microsoft.com/office/drawing/2014/main" id="{6DA29C84-AB8D-F0FE-94BA-44C16FBFB086}"/>
               </a:ext>
             </a:extLst>
           </p:cNvPr>
@@ -4603,23 +4578,48 @@
         </p:blipFill>
         <p:spPr>
           <a:xfrm>
-            <a:off x="5709962" y="2314641"/>
-            <a:ext cx="6109014" cy="2914800"/>
+            <a:off x="8085695" y="1027906"/>
+            <a:ext cx="3025898" cy="2997618"/>
           </a:xfrm>
           <a:prstGeom prst="rect">
             <a:avLst/>
           </a:prstGeom>
-          <a:ln w="19050">
-            <a:solidFill>
-              <a:schemeClr val="tx1"/>
-            </a:solidFill>
-          </a:ln>
+        </p:spPr>
+      </p:pic>
+      <p:pic>
+        <p:nvPicPr>
+          <p:cNvPr id="21" name="Immagine 20" descr="Immagine che contiene testo, schermata, Carattere&#10;&#10;Descrizione generata automaticamente">
+            <a:extLst>
+              <a:ext uri="{FF2B5EF4-FFF2-40B4-BE49-F238E27FC236}">
+                <a16:creationId xmlns:a16="http://schemas.microsoft.com/office/drawing/2014/main" id="{1E87502F-F13C-490A-08F8-017C2B559412}"/>
+              </a:ext>
+            </a:extLst>
+          </p:cNvPr>
+          <p:cNvPicPr>
+            <a:picLocks noChangeAspect="1"/>
+          </p:cNvPicPr>
+          <p:nvPr/>
+        </p:nvPicPr>
+        <p:blipFill>
+          <a:blip r:embed="rId4"/>
+          <a:stretch>
+            <a:fillRect/>
+          </a:stretch>
+        </p:blipFill>
+        <p:spPr>
+          <a:xfrm>
+            <a:off x="4168194" y="1077573"/>
+            <a:ext cx="3268112" cy="2452109"/>
+          </a:xfrm>
+          <a:prstGeom prst="rect">
+            <a:avLst/>
+          </a:prstGeom>
         </p:spPr>
       </p:pic>
     </p:spTree>
     <p:extLst>
       <p:ext uri="{BB962C8B-B14F-4D97-AF65-F5344CB8AC3E}">
-        <p14:creationId xmlns:p14="http://schemas.microsoft.com/office/powerpoint/2010/main" val="2617181989"/>
+        <p14:creationId xmlns:p14="http://schemas.microsoft.com/office/powerpoint/2010/main" val="12849928"/>
       </p:ext>
     </p:extLst>
   </p:cSld>
@@ -5893,7 +5893,7 @@
         </p:nvSpPr>
         <p:spPr>
           <a:xfrm>
-            <a:off x="838193" y="0"/>
+            <a:off x="857994" y="60541"/>
             <a:ext cx="10515600" cy="1325563"/>
           </a:xfrm>
         </p:spPr>
@@ -5923,7 +5923,7 @@
         </p:nvSpPr>
         <p:spPr>
           <a:xfrm>
-            <a:off x="4611581" y="2298334"/>
+            <a:off x="1962680" y="1386104"/>
             <a:ext cx="2968831" cy="369332"/>
           </a:xfrm>
           <a:prstGeom prst="rect">
@@ -5942,7 +5942,7 @@
             <a:pPr algn="ctr"/>
             <a:r>
               <a:rPr lang="it-IT" dirty="0"/>
-              <a:t>CONTROLLER</a:t>
+              <a:t>FACADE CONTROLLER</a:t>
             </a:r>
           </a:p>
         </p:txBody>
@@ -5961,7 +5961,7 @@
         </p:nvSpPr>
         <p:spPr>
           <a:xfrm>
-            <a:off x="4611579" y="3943793"/>
+            <a:off x="4611582" y="4615383"/>
             <a:ext cx="2968831" cy="369332"/>
           </a:xfrm>
           <a:prstGeom prst="rect">
@@ -5999,7 +5999,7 @@
         </p:nvSpPr>
         <p:spPr>
           <a:xfrm>
-            <a:off x="4611580" y="3123699"/>
+            <a:off x="4611583" y="3795289"/>
             <a:ext cx="2968831" cy="369332"/>
           </a:xfrm>
           <a:prstGeom prst="rect">
@@ -6037,7 +6037,7 @@
         </p:nvSpPr>
         <p:spPr>
           <a:xfrm>
-            <a:off x="4611578" y="1929002"/>
+            <a:off x="7300078" y="1386104"/>
             <a:ext cx="2968831" cy="369332"/>
           </a:xfrm>
           <a:prstGeom prst="rect">
@@ -6059,7 +6059,7 @@
             <a:pPr algn="ctr"/>
             <a:r>
               <a:rPr lang="it-IT" dirty="0"/>
-              <a:t>GRAPHICAL USER INTERFACE</a:t>
+              <a:t>VIEW CONTROLLER</a:t>
             </a:r>
           </a:p>
         </p:txBody>
@@ -6078,7 +6078,7 @@
         </p:nvSpPr>
         <p:spPr>
           <a:xfrm>
-            <a:off x="4611578" y="4763887"/>
+            <a:off x="4611581" y="5435477"/>
             <a:ext cx="2968831" cy="369332"/>
           </a:xfrm>
           <a:prstGeom prst="rect">
@@ -6116,7 +6116,7 @@
         </p:nvSpPr>
         <p:spPr>
           <a:xfrm>
-            <a:off x="4963886" y="3533746"/>
+            <a:off x="4963889" y="4205336"/>
             <a:ext cx="2303813" cy="369332"/>
           </a:xfrm>
           <a:prstGeom prst="rect">
@@ -6157,7 +6157,7 @@
         </p:nvSpPr>
         <p:spPr>
           <a:xfrm>
-            <a:off x="4963886" y="4351204"/>
+            <a:off x="4963889" y="5022794"/>
             <a:ext cx="2303813" cy="369332"/>
           </a:xfrm>
           <a:prstGeom prst="rect">
@@ -6198,7 +6198,7 @@
         </p:nvSpPr>
         <p:spPr>
           <a:xfrm>
-            <a:off x="4931508" y="2713652"/>
+            <a:off x="4931511" y="3385242"/>
             <a:ext cx="2368567" cy="369332"/>
           </a:xfrm>
           <a:prstGeom prst="rect">
@@ -6225,6 +6225,143 @@
           </a:p>
         </p:txBody>
       </p:sp>
+      <p:cxnSp>
+        <p:nvCxnSpPr>
+          <p:cNvPr id="16" name="Connettore 2 15">
+            <a:extLst>
+              <a:ext uri="{FF2B5EF4-FFF2-40B4-BE49-F238E27FC236}">
+                <a16:creationId xmlns:a16="http://schemas.microsoft.com/office/drawing/2014/main" id="{24DA13BB-F030-0BCE-0E64-A9EDAD0C41BD}"/>
+              </a:ext>
+            </a:extLst>
+          </p:cNvPr>
+          <p:cNvCxnSpPr>
+            <a:stCxn id="7" idx="3"/>
+            <a:endCxn id="10" idx="1"/>
+          </p:cNvCxnSpPr>
+          <p:nvPr/>
+        </p:nvCxnSpPr>
+        <p:spPr>
+          <a:xfrm>
+            <a:off x="4931511" y="1570770"/>
+            <a:ext cx="2368567" cy="0"/>
+          </a:xfrm>
+          <a:prstGeom prst="straightConnector1">
+            <a:avLst/>
+          </a:prstGeom>
+          <a:ln>
+            <a:solidFill>
+              <a:schemeClr val="tx1"/>
+            </a:solidFill>
+            <a:headEnd type="triangle"/>
+            <a:tailEnd type="triangle"/>
+          </a:ln>
+        </p:spPr>
+        <p:style>
+          <a:lnRef idx="1">
+            <a:schemeClr val="accent1"/>
+          </a:lnRef>
+          <a:fillRef idx="0">
+            <a:schemeClr val="accent1"/>
+          </a:fillRef>
+          <a:effectRef idx="0">
+            <a:schemeClr val="accent1"/>
+          </a:effectRef>
+          <a:fontRef idx="minor">
+            <a:schemeClr val="tx1"/>
+          </a:fontRef>
+        </p:style>
+      </p:cxnSp>
+      <p:cxnSp>
+        <p:nvCxnSpPr>
+          <p:cNvPr id="18" name="Connettore 2 17">
+            <a:extLst>
+              <a:ext uri="{FF2B5EF4-FFF2-40B4-BE49-F238E27FC236}">
+                <a16:creationId xmlns:a16="http://schemas.microsoft.com/office/drawing/2014/main" id="{E94D34E2-265B-198B-BD1F-55FCA50E6818}"/>
+              </a:ext>
+            </a:extLst>
+          </p:cNvPr>
+          <p:cNvCxnSpPr>
+            <a:cxnSpLocks/>
+          </p:cNvCxnSpPr>
+          <p:nvPr/>
+        </p:nvCxnSpPr>
+        <p:spPr>
+          <a:xfrm flipV="1">
+            <a:off x="6724650" y="1777111"/>
+            <a:ext cx="2059846" cy="1608131"/>
+          </a:xfrm>
+          <a:prstGeom prst="straightConnector1">
+            <a:avLst/>
+          </a:prstGeom>
+          <a:ln>
+            <a:solidFill>
+              <a:schemeClr val="tx1"/>
+            </a:solidFill>
+            <a:headEnd type="triangle"/>
+            <a:tailEnd type="triangle"/>
+          </a:ln>
+        </p:spPr>
+        <p:style>
+          <a:lnRef idx="1">
+            <a:schemeClr val="accent1"/>
+          </a:lnRef>
+          <a:fillRef idx="0">
+            <a:schemeClr val="accent1"/>
+          </a:fillRef>
+          <a:effectRef idx="0">
+            <a:schemeClr val="accent1"/>
+          </a:effectRef>
+          <a:fontRef idx="minor">
+            <a:schemeClr val="tx1"/>
+          </a:fontRef>
+        </p:style>
+      </p:cxnSp>
+      <p:cxnSp>
+        <p:nvCxnSpPr>
+          <p:cNvPr id="20" name="Connettore 2 19">
+            <a:extLst>
+              <a:ext uri="{FF2B5EF4-FFF2-40B4-BE49-F238E27FC236}">
+                <a16:creationId xmlns:a16="http://schemas.microsoft.com/office/drawing/2014/main" id="{D847F632-470D-CFD5-6A46-152D6DF2CA27}"/>
+              </a:ext>
+            </a:extLst>
+          </p:cNvPr>
+          <p:cNvCxnSpPr>
+            <a:cxnSpLocks/>
+            <a:stCxn id="7" idx="2"/>
+          </p:cNvCxnSpPr>
+          <p:nvPr/>
+        </p:nvCxnSpPr>
+        <p:spPr>
+          <a:xfrm>
+            <a:off x="3447096" y="1755436"/>
+            <a:ext cx="2020255" cy="1629806"/>
+          </a:xfrm>
+          <a:prstGeom prst="straightConnector1">
+            <a:avLst/>
+          </a:prstGeom>
+          <a:ln>
+            <a:solidFill>
+              <a:schemeClr val="tx1"/>
+            </a:solidFill>
+            <a:headEnd type="triangle"/>
+            <a:tailEnd type="triangle"/>
+          </a:ln>
+        </p:spPr>
+        <p:style>
+          <a:lnRef idx="1">
+            <a:schemeClr val="accent1"/>
+          </a:lnRef>
+          <a:fillRef idx="0">
+            <a:schemeClr val="accent1"/>
+          </a:fillRef>
+          <a:effectRef idx="0">
+            <a:schemeClr val="accent1"/>
+          </a:effectRef>
+          <a:fontRef idx="minor">
+            <a:schemeClr val="tx1"/>
+          </a:fontRef>
+        </p:style>
+      </p:cxnSp>
     </p:spTree>
     <p:extLst>
       <p:ext uri="{BB962C8B-B14F-4D97-AF65-F5344CB8AC3E}">
